--- a/content/programmeren/php-basis-array/php-basis-array.pptx
+++ b/content/programmeren/php-basis-array/php-basis-array.pptx
@@ -5,7 +5,8 @@
     <p:sldMasterId id="2147483648" r:id="rId1"/>
   </p:sldMasterIdLst>
   <p:sldIdLst>
-    <p:sldId id="256" r:id="rId2"/>
+    <p:sldId id="257" r:id="rId2"/>
+    <p:sldId id="256" r:id="rId3"/>
   </p:sldIdLst>
   <p:sldSz cx="12192000" cy="6858000"/>
   <p:notesSz cx="6858000" cy="9144000"/>
@@ -109,12 +110,12 @@
       <p15:sldGuideLst xmlns:p15="http://schemas.microsoft.com/office/powerpoint/2012/main">
         <p15:guide id="1" orient="horz" pos="2160" userDrawn="1">
           <p15:clr>
-            <a:srgbClr val="F26B43"/>
+            <a:srgbClr val="A4A3A4"/>
           </p15:clr>
         </p15:guide>
         <p15:guide id="2" pos="3840" userDrawn="1">
           <p15:clr>
-            <a:srgbClr val="F26B43"/>
+            <a:srgbClr val="A4A3A4"/>
           </p15:clr>
         </p15:guide>
         <p15:guide id="3" pos="211" userDrawn="1">
@@ -274,7 +275,7 @@
         </p15:guide>
         <p15:guide id="34" pos="7469" userDrawn="1">
           <p15:clr>
-            <a:srgbClr val="A4A3A4"/>
+            <a:srgbClr val="000000"/>
           </p15:clr>
         </p15:guide>
         <p15:guide id="35" pos="4067" userDrawn="1">
@@ -519,7 +520,7 @@
           <a:lstStyle/>
           <a:p>
             <a:fld id="{58F0AE5A-190D-344F-BA1E-7FF8AC8FA5BE}" type="datetimeFigureOut">
-              <a:t>03-11-2020</a:t>
+              <a:t>13-11-2020</a:t>
             </a:fld>
             <a:endParaRPr lang="nl-NL"/>
           </a:p>
@@ -715,7 +716,7 @@
           <a:lstStyle/>
           <a:p>
             <a:fld id="{58F0AE5A-190D-344F-BA1E-7FF8AC8FA5BE}" type="datetimeFigureOut">
-              <a:t>03-11-2020</a:t>
+              <a:t>13-11-2020</a:t>
             </a:fld>
             <a:endParaRPr lang="nl-NL"/>
           </a:p>
@@ -921,7 +922,7 @@
           <a:lstStyle/>
           <a:p>
             <a:fld id="{58F0AE5A-190D-344F-BA1E-7FF8AC8FA5BE}" type="datetimeFigureOut">
-              <a:t>03-11-2020</a:t>
+              <a:t>13-11-2020</a:t>
             </a:fld>
             <a:endParaRPr lang="nl-NL"/>
           </a:p>
@@ -1117,7 +1118,7 @@
           <a:lstStyle/>
           <a:p>
             <a:fld id="{58F0AE5A-190D-344F-BA1E-7FF8AC8FA5BE}" type="datetimeFigureOut">
-              <a:t>03-11-2020</a:t>
+              <a:t>13-11-2020</a:t>
             </a:fld>
             <a:endParaRPr lang="nl-NL"/>
           </a:p>
@@ -1390,7 +1391,7 @@
           <a:lstStyle/>
           <a:p>
             <a:fld id="{58F0AE5A-190D-344F-BA1E-7FF8AC8FA5BE}" type="datetimeFigureOut">
-              <a:t>03-11-2020</a:t>
+              <a:t>13-11-2020</a:t>
             </a:fld>
             <a:endParaRPr lang="nl-NL"/>
           </a:p>
@@ -1653,7 +1654,7 @@
           <a:lstStyle/>
           <a:p>
             <a:fld id="{58F0AE5A-190D-344F-BA1E-7FF8AC8FA5BE}" type="datetimeFigureOut">
-              <a:t>03-11-2020</a:t>
+              <a:t>13-11-2020</a:t>
             </a:fld>
             <a:endParaRPr lang="nl-NL"/>
           </a:p>
@@ -2063,7 +2064,7 @@
           <a:lstStyle/>
           <a:p>
             <a:fld id="{58F0AE5A-190D-344F-BA1E-7FF8AC8FA5BE}" type="datetimeFigureOut">
-              <a:t>03-11-2020</a:t>
+              <a:t>13-11-2020</a:t>
             </a:fld>
             <a:endParaRPr lang="nl-NL"/>
           </a:p>
@@ -2202,7 +2203,7 @@
           <a:lstStyle/>
           <a:p>
             <a:fld id="{58F0AE5A-190D-344F-BA1E-7FF8AC8FA5BE}" type="datetimeFigureOut">
-              <a:t>03-11-2020</a:t>
+              <a:t>13-11-2020</a:t>
             </a:fld>
             <a:endParaRPr lang="nl-NL"/>
           </a:p>
@@ -2313,7 +2314,7 @@
           <a:lstStyle/>
           <a:p>
             <a:fld id="{58F0AE5A-190D-344F-BA1E-7FF8AC8FA5BE}" type="datetimeFigureOut">
-              <a:t>03-11-2020</a:t>
+              <a:t>13-11-2020</a:t>
             </a:fld>
             <a:endParaRPr lang="nl-NL"/>
           </a:p>
@@ -2622,7 +2623,7 @@
           <a:lstStyle/>
           <a:p>
             <a:fld id="{58F0AE5A-190D-344F-BA1E-7FF8AC8FA5BE}" type="datetimeFigureOut">
-              <a:t>03-11-2020</a:t>
+              <a:t>13-11-2020</a:t>
             </a:fld>
             <a:endParaRPr lang="nl-NL"/>
           </a:p>
@@ -2911,7 +2912,7 @@
           <a:lstStyle/>
           <a:p>
             <a:fld id="{58F0AE5A-190D-344F-BA1E-7FF8AC8FA5BE}" type="datetimeFigureOut">
-              <a:t>03-11-2020</a:t>
+              <a:t>13-11-2020</a:t>
             </a:fld>
             <a:endParaRPr lang="nl-NL"/>
           </a:p>
@@ -3150,7 +3151,7 @@
           </a:lstStyle>
           <a:p>
             <a:fld id="{58F0AE5A-190D-344F-BA1E-7FF8AC8FA5BE}" type="datetimeFigureOut">
-              <a:t>03-11-2020</a:t>
+              <a:t>13-11-2020</a:t>
             </a:fld>
             <a:endParaRPr lang="nl-NL"/>
           </a:p>
@@ -3566,12 +3567,527 @@
           <a:chExt cx="0" cy="0"/>
         </a:xfrm>
       </p:grpSpPr>
-      <p:sp>
-        <p:nvSpPr>
-          <p:cNvPr id="8" name="Kader 7">
-            <a:extLst>
-              <a:ext uri="{FF2B5EF4-FFF2-40B4-BE49-F238E27FC236}">
-                <a16:creationId xmlns:a16="http://schemas.microsoft.com/office/drawing/2014/main" id="{326B5CCD-37CD-1046-BC0B-F6FC5269DAEF}"/>
+      <p:grpSp>
+        <p:nvGrpSpPr>
+          <p:cNvPr id="2" name="Groep 1">
+            <a:extLst>
+              <a:ext uri="{FF2B5EF4-FFF2-40B4-BE49-F238E27FC236}">
+                <a16:creationId xmlns:a16="http://schemas.microsoft.com/office/drawing/2014/main" id="{EF400E13-A0DE-B94E-A4C4-C7C3FBD91A08}"/>
+              </a:ext>
+            </a:extLst>
+          </p:cNvPr>
+          <p:cNvGrpSpPr/>
+          <p:nvPr/>
+        </p:nvGrpSpPr>
+        <p:grpSpPr>
+          <a:xfrm>
+            <a:off x="5526773" y="357808"/>
+            <a:ext cx="6892645" cy="6507735"/>
+            <a:chOff x="2594940" y="-77857"/>
+            <a:chExt cx="7013713" cy="7013713"/>
+          </a:xfrm>
+        </p:grpSpPr>
+        <p:pic>
+          <p:nvPicPr>
+            <p:cNvPr id="3" name="Graphic 2" descr="Lijst">
+              <a:extLst>
+                <a:ext uri="{FF2B5EF4-FFF2-40B4-BE49-F238E27FC236}">
+                  <a16:creationId xmlns:a16="http://schemas.microsoft.com/office/drawing/2014/main" id="{8EE7A7E8-239A-054B-8355-3E61863F1EE7}"/>
+                </a:ext>
+              </a:extLst>
+            </p:cNvPr>
+            <p:cNvPicPr>
+              <a:picLocks noChangeAspect="1"/>
+            </p:cNvPicPr>
+            <p:nvPr/>
+          </p:nvPicPr>
+          <p:blipFill>
+            <a:blip r:embed="rId2">
+              <a:extLst>
+                <a:ext uri="{96DAC541-7B7A-43D3-8B79-37D633B846F1}">
+                  <asvg:svgBlip xmlns:asvg="http://schemas.microsoft.com/office/drawing/2016/SVG/main" r:embed="rId3"/>
+                </a:ext>
+              </a:extLst>
+            </a:blip>
+            <a:stretch>
+              <a:fillRect/>
+            </a:stretch>
+          </p:blipFill>
+          <p:spPr>
+            <a:xfrm>
+              <a:off x="2594940" y="-77857"/>
+              <a:ext cx="7013713" cy="7013713"/>
+            </a:xfrm>
+            <a:prstGeom prst="rect">
+              <a:avLst/>
+            </a:prstGeom>
+          </p:spPr>
+        </p:pic>
+        <p:sp>
+          <p:nvSpPr>
+            <p:cNvPr id="4" name="Rechthoek 3">
+              <a:extLst>
+                <a:ext uri="{FF2B5EF4-FFF2-40B4-BE49-F238E27FC236}">
+                  <a16:creationId xmlns:a16="http://schemas.microsoft.com/office/drawing/2014/main" id="{B98A44A8-5365-A743-A087-59BEEBE413C0}"/>
+                </a:ext>
+              </a:extLst>
+            </p:cNvPr>
+            <p:cNvSpPr/>
+            <p:nvPr/>
+          </p:nvSpPr>
+          <p:spPr>
+            <a:xfrm>
+              <a:off x="4933662" y="723384"/>
+              <a:ext cx="2324675" cy="369332"/>
+            </a:xfrm>
+            <a:prstGeom prst="rect">
+              <a:avLst/>
+            </a:prstGeom>
+          </p:spPr>
+          <p:txBody>
+            <a:bodyPr wrap="none">
+              <a:spAutoFit/>
+            </a:bodyPr>
+            <a:lstStyle/>
+            <a:p>
+              <a:pPr algn="ctr"/>
+              <a:r>
+                <a:rPr lang="nl-NL">
+                  <a:solidFill>
+                    <a:srgbClr val="660000"/>
+                  </a:solidFill>
+                  <a:effectLst/>
+                  <a:latin typeface="SF Mono Light" panose="020B0009000002000000" pitchFamily="49" charset="0"/>
+                </a:rPr>
+                <a:t>$listOfProducts</a:t>
+              </a:r>
+              <a:endParaRPr lang="nl-NL">
+                <a:latin typeface="SF Mono Light" panose="020B0009000002000000" pitchFamily="49" charset="0"/>
+              </a:endParaRPr>
+            </a:p>
+          </p:txBody>
+        </p:sp>
+        <p:sp>
+          <p:nvSpPr>
+            <p:cNvPr id="5" name="Rechthoek 4">
+              <a:extLst>
+                <a:ext uri="{FF2B5EF4-FFF2-40B4-BE49-F238E27FC236}">
+                  <a16:creationId xmlns:a16="http://schemas.microsoft.com/office/drawing/2014/main" id="{D2763448-7AFF-7243-89A2-ACF2C442C6FE}"/>
+                </a:ext>
+              </a:extLst>
+            </p:cNvPr>
+            <p:cNvSpPr/>
+            <p:nvPr/>
+          </p:nvSpPr>
+          <p:spPr>
+            <a:xfrm>
+              <a:off x="5842427" y="1434346"/>
+              <a:ext cx="1591418" cy="383935"/>
+            </a:xfrm>
+            <a:prstGeom prst="rect">
+              <a:avLst/>
+            </a:prstGeom>
+          </p:spPr>
+          <p:txBody>
+            <a:bodyPr wrap="none">
+              <a:spAutoFit/>
+            </a:bodyPr>
+            <a:lstStyle/>
+            <a:p>
+              <a:r>
+                <a:rPr lang="nl-NL">
+                  <a:solidFill>
+                    <a:srgbClr val="067D17"/>
+                  </a:solidFill>
+                  <a:effectLst/>
+                  <a:latin typeface="SF Mono Light" panose="020B0009000002000000" pitchFamily="49" charset="0"/>
+                </a:rPr>
+                <a:t>"icecream"</a:t>
+              </a:r>
+              <a:endParaRPr lang="nl-NL">
+                <a:latin typeface="SF Mono Light" panose="020B0009000002000000" pitchFamily="49" charset="0"/>
+              </a:endParaRPr>
+            </a:p>
+          </p:txBody>
+        </p:sp>
+        <p:sp>
+          <p:nvSpPr>
+            <p:cNvPr id="6" name="Rechthoek 5">
+              <a:extLst>
+                <a:ext uri="{FF2B5EF4-FFF2-40B4-BE49-F238E27FC236}">
+                  <a16:creationId xmlns:a16="http://schemas.microsoft.com/office/drawing/2014/main" id="{34A944DF-6478-E64A-859B-34259A1EE4AD}"/>
+                </a:ext>
+              </a:extLst>
+            </p:cNvPr>
+            <p:cNvSpPr/>
+            <p:nvPr/>
+          </p:nvSpPr>
+          <p:spPr>
+            <a:xfrm>
+              <a:off x="5842526" y="4684197"/>
+              <a:ext cx="1070550" cy="383935"/>
+            </a:xfrm>
+            <a:prstGeom prst="rect">
+              <a:avLst/>
+            </a:prstGeom>
+          </p:spPr>
+          <p:txBody>
+            <a:bodyPr wrap="none">
+              <a:spAutoFit/>
+            </a:bodyPr>
+            <a:lstStyle/>
+            <a:p>
+              <a:r>
+                <a:rPr lang="nl-NL">
+                  <a:solidFill>
+                    <a:srgbClr val="067D17"/>
+                  </a:solidFill>
+                  <a:effectLst/>
+                </a:rPr>
+                <a:t>"</a:t>
+              </a:r>
+              <a:r>
+                <a:rPr lang="nl-NL">
+                  <a:solidFill>
+                    <a:srgbClr val="067D17"/>
+                  </a:solidFill>
+                  <a:effectLst/>
+                  <a:latin typeface="SF Mono Light" panose="020B0009000002000000" pitchFamily="49" charset="0"/>
+                </a:rPr>
+                <a:t>spoon</a:t>
+              </a:r>
+              <a:r>
+                <a:rPr lang="nl-NL">
+                  <a:solidFill>
+                    <a:srgbClr val="067D17"/>
+                  </a:solidFill>
+                  <a:effectLst/>
+                </a:rPr>
+                <a:t>"</a:t>
+              </a:r>
+              <a:endParaRPr lang="nl-NL"/>
+            </a:p>
+          </p:txBody>
+        </p:sp>
+        <p:sp>
+          <p:nvSpPr>
+            <p:cNvPr id="7" name="Rechthoek 6">
+              <a:extLst>
+                <a:ext uri="{FF2B5EF4-FFF2-40B4-BE49-F238E27FC236}">
+                  <a16:creationId xmlns:a16="http://schemas.microsoft.com/office/drawing/2014/main" id="{DB9523D6-204B-744B-8E92-CFE97B04D8D1}"/>
+                </a:ext>
+              </a:extLst>
+            </p:cNvPr>
+            <p:cNvSpPr/>
+            <p:nvPr/>
+          </p:nvSpPr>
+          <p:spPr>
+            <a:xfrm>
+              <a:off x="5842526" y="2523609"/>
+              <a:ext cx="1591418" cy="383935"/>
+            </a:xfrm>
+            <a:prstGeom prst="rect">
+              <a:avLst/>
+            </a:prstGeom>
+          </p:spPr>
+          <p:txBody>
+            <a:bodyPr wrap="none">
+              <a:spAutoFit/>
+            </a:bodyPr>
+            <a:lstStyle/>
+            <a:p>
+              <a:r>
+                <a:rPr lang="nl-NL">
+                  <a:solidFill>
+                    <a:srgbClr val="067D17"/>
+                  </a:solidFill>
+                  <a:effectLst/>
+                  <a:latin typeface="SF Mono Light" panose="020B0009000002000000" pitchFamily="49" charset="0"/>
+                </a:rPr>
+                <a:t>"cherries"</a:t>
+              </a:r>
+              <a:endParaRPr lang="nl-NL">
+                <a:latin typeface="SF Mono Light" panose="020B0009000002000000" pitchFamily="49" charset="0"/>
+              </a:endParaRPr>
+            </a:p>
+          </p:txBody>
+        </p:sp>
+        <p:sp>
+          <p:nvSpPr>
+            <p:cNvPr id="8" name="Rechthoek 7">
+              <a:extLst>
+                <a:ext uri="{FF2B5EF4-FFF2-40B4-BE49-F238E27FC236}">
+                  <a16:creationId xmlns:a16="http://schemas.microsoft.com/office/drawing/2014/main" id="{D6CCFB35-8D1E-2944-AB7E-10F0066824E8}"/>
+                </a:ext>
+              </a:extLst>
+            </p:cNvPr>
+            <p:cNvSpPr/>
+            <p:nvPr/>
+          </p:nvSpPr>
+          <p:spPr>
+            <a:xfrm>
+              <a:off x="5842526" y="3603903"/>
+              <a:ext cx="788744" cy="383935"/>
+            </a:xfrm>
+            <a:prstGeom prst="rect">
+              <a:avLst/>
+            </a:prstGeom>
+          </p:spPr>
+          <p:txBody>
+            <a:bodyPr wrap="none">
+              <a:spAutoFit/>
+            </a:bodyPr>
+            <a:lstStyle/>
+            <a:p>
+              <a:r>
+                <a:rPr lang="nl-NL">
+                  <a:solidFill>
+                    <a:srgbClr val="067D17"/>
+                  </a:solidFill>
+                  <a:effectLst/>
+                </a:rPr>
+                <a:t>"</a:t>
+              </a:r>
+              <a:r>
+                <a:rPr lang="nl-NL">
+                  <a:solidFill>
+                    <a:srgbClr val="067D17"/>
+                  </a:solidFill>
+                  <a:effectLst/>
+                  <a:latin typeface="SF Mono Light" panose="020B0009000002000000" pitchFamily="49" charset="0"/>
+                </a:rPr>
+                <a:t>cup</a:t>
+              </a:r>
+              <a:r>
+                <a:rPr lang="nl-NL">
+                  <a:solidFill>
+                    <a:srgbClr val="067D17"/>
+                  </a:solidFill>
+                  <a:effectLst/>
+                </a:rPr>
+                <a:t>"</a:t>
+              </a:r>
+              <a:endParaRPr lang="nl-NL"/>
+            </a:p>
+          </p:txBody>
+        </p:sp>
+        <p:sp>
+          <p:nvSpPr>
+            <p:cNvPr id="9" name="Rechthoek 8">
+              <a:extLst>
+                <a:ext uri="{FF2B5EF4-FFF2-40B4-BE49-F238E27FC236}">
+                  <a16:creationId xmlns:a16="http://schemas.microsoft.com/office/drawing/2014/main" id="{6CC00FDB-8398-9441-B734-35BEC4EFA7F8}"/>
+                </a:ext>
+              </a:extLst>
+            </p:cNvPr>
+            <p:cNvSpPr/>
+            <p:nvPr/>
+          </p:nvSpPr>
+          <p:spPr>
+            <a:xfrm>
+              <a:off x="4825888" y="1628775"/>
+              <a:ext cx="323287" cy="383935"/>
+            </a:xfrm>
+            <a:prstGeom prst="rect">
+              <a:avLst/>
+            </a:prstGeom>
+          </p:spPr>
+          <p:txBody>
+            <a:bodyPr wrap="none">
+              <a:spAutoFit/>
+            </a:bodyPr>
+            <a:lstStyle/>
+            <a:p>
+              <a:r>
+                <a:rPr lang="nl-NL">
+                  <a:solidFill>
+                    <a:srgbClr val="1750EB"/>
+                  </a:solidFill>
+                  <a:effectLst/>
+                  <a:latin typeface="SF Mono Light" panose="020B0009000002000000" pitchFamily="49" charset="0"/>
+                </a:rPr>
+                <a:t>0</a:t>
+              </a:r>
+              <a:endParaRPr lang="nl-NL">
+                <a:latin typeface="SF Mono Light" panose="020B0009000002000000" pitchFamily="49" charset="0"/>
+              </a:endParaRPr>
+            </a:p>
+          </p:txBody>
+        </p:sp>
+        <p:sp>
+          <p:nvSpPr>
+            <p:cNvPr id="10" name="Rechthoek 9">
+              <a:extLst>
+                <a:ext uri="{FF2B5EF4-FFF2-40B4-BE49-F238E27FC236}">
+                  <a16:creationId xmlns:a16="http://schemas.microsoft.com/office/drawing/2014/main" id="{00C17D28-6BD5-054E-BE44-2367D60FE5FA}"/>
+                </a:ext>
+              </a:extLst>
+            </p:cNvPr>
+            <p:cNvSpPr/>
+            <p:nvPr/>
+          </p:nvSpPr>
+          <p:spPr>
+            <a:xfrm>
+              <a:off x="4825888" y="2708275"/>
+              <a:ext cx="323287" cy="383935"/>
+            </a:xfrm>
+            <a:prstGeom prst="rect">
+              <a:avLst/>
+            </a:prstGeom>
+          </p:spPr>
+          <p:txBody>
+            <a:bodyPr wrap="none">
+              <a:spAutoFit/>
+            </a:bodyPr>
+            <a:lstStyle/>
+            <a:p>
+              <a:r>
+                <a:rPr lang="nl-NL">
+                  <a:solidFill>
+                    <a:srgbClr val="1750EB"/>
+                  </a:solidFill>
+                  <a:effectLst/>
+                  <a:latin typeface="SF Mono Light" panose="020B0009000002000000" pitchFamily="49" charset="0"/>
+                </a:rPr>
+                <a:t>1</a:t>
+              </a:r>
+              <a:endParaRPr lang="nl-NL">
+                <a:latin typeface="SF Mono Light" panose="020B0009000002000000" pitchFamily="49" charset="0"/>
+              </a:endParaRPr>
+            </a:p>
+          </p:txBody>
+        </p:sp>
+        <p:sp>
+          <p:nvSpPr>
+            <p:cNvPr id="11" name="Rechthoek 10">
+              <a:extLst>
+                <a:ext uri="{FF2B5EF4-FFF2-40B4-BE49-F238E27FC236}">
+                  <a16:creationId xmlns:a16="http://schemas.microsoft.com/office/drawing/2014/main" id="{CB316CA5-77E1-2847-9EE0-89FE6D1AA411}"/>
+                </a:ext>
+              </a:extLst>
+            </p:cNvPr>
+            <p:cNvSpPr/>
+            <p:nvPr/>
+          </p:nvSpPr>
+          <p:spPr>
+            <a:xfrm>
+              <a:off x="4825888" y="3829620"/>
+              <a:ext cx="323287" cy="383935"/>
+            </a:xfrm>
+            <a:prstGeom prst="rect">
+              <a:avLst/>
+            </a:prstGeom>
+          </p:spPr>
+          <p:txBody>
+            <a:bodyPr wrap="none">
+              <a:spAutoFit/>
+            </a:bodyPr>
+            <a:lstStyle/>
+            <a:p>
+              <a:r>
+                <a:rPr lang="nl-NL">
+                  <a:solidFill>
+                    <a:srgbClr val="1750EB"/>
+                  </a:solidFill>
+                  <a:effectLst/>
+                  <a:latin typeface="SF Mono Light" panose="020B0009000002000000" pitchFamily="49" charset="0"/>
+                </a:rPr>
+                <a:t>2</a:t>
+              </a:r>
+              <a:endParaRPr lang="nl-NL">
+                <a:latin typeface="SF Mono Light" panose="020B0009000002000000" pitchFamily="49" charset="0"/>
+              </a:endParaRPr>
+            </a:p>
+          </p:txBody>
+        </p:sp>
+        <p:sp>
+          <p:nvSpPr>
+            <p:cNvPr id="12" name="Rechthoek 11">
+              <a:extLst>
+                <a:ext uri="{FF2B5EF4-FFF2-40B4-BE49-F238E27FC236}">
+                  <a16:creationId xmlns:a16="http://schemas.microsoft.com/office/drawing/2014/main" id="{4C88D985-344B-744A-815E-F2A3ED20A592}"/>
+                </a:ext>
+              </a:extLst>
+            </p:cNvPr>
+            <p:cNvSpPr/>
+            <p:nvPr/>
+          </p:nvSpPr>
+          <p:spPr>
+            <a:xfrm>
+              <a:off x="4825888" y="4911209"/>
+              <a:ext cx="323287" cy="383935"/>
+            </a:xfrm>
+            <a:prstGeom prst="rect">
+              <a:avLst/>
+            </a:prstGeom>
+          </p:spPr>
+          <p:txBody>
+            <a:bodyPr wrap="none">
+              <a:spAutoFit/>
+            </a:bodyPr>
+            <a:lstStyle/>
+            <a:p>
+              <a:r>
+                <a:rPr lang="nl-NL">
+                  <a:solidFill>
+                    <a:srgbClr val="1750EB"/>
+                  </a:solidFill>
+                  <a:effectLst/>
+                  <a:latin typeface="SF Mono Light" panose="020B0009000002000000" pitchFamily="49" charset="0"/>
+                </a:rPr>
+                <a:t>3</a:t>
+              </a:r>
+              <a:endParaRPr lang="nl-NL">
+                <a:latin typeface="SF Mono Light" panose="020B0009000002000000" pitchFamily="49" charset="0"/>
+              </a:endParaRPr>
+            </a:p>
+          </p:txBody>
+        </p:sp>
+      </p:grpSp>
+      <p:sp>
+        <p:nvSpPr>
+          <p:cNvPr id="13" name="Tekstvak 12">
+            <a:extLst>
+              <a:ext uri="{FF2B5EF4-FFF2-40B4-BE49-F238E27FC236}">
+                <a16:creationId xmlns:a16="http://schemas.microsoft.com/office/drawing/2014/main" id="{8318E5C5-4129-AB49-8645-160677233C49}"/>
+              </a:ext>
+            </a:extLst>
+          </p:cNvPr>
+          <p:cNvSpPr txBox="1"/>
+          <p:nvPr/>
+        </p:nvSpPr>
+        <p:spPr>
+          <a:xfrm>
+            <a:off x="5526773" y="202496"/>
+            <a:ext cx="1138453" cy="461665"/>
+          </a:xfrm>
+          <a:prstGeom prst="rect">
+            <a:avLst/>
+          </a:prstGeom>
+          <a:noFill/>
+        </p:spPr>
+        <p:txBody>
+          <a:bodyPr wrap="none" rtlCol="0">
+            <a:spAutoFit/>
+          </a:bodyPr>
+          <a:lstStyle/>
+          <a:p>
+            <a:pPr algn="ctr"/>
+            <a:r>
+              <a:rPr lang="nl-NL" sz="2400" b="1">
+                <a:latin typeface="SF Mono" panose="020B0009000002000000" pitchFamily="49" charset="0"/>
+              </a:rPr>
+              <a:t>Array</a:t>
+            </a:r>
+          </a:p>
+        </p:txBody>
+      </p:sp>
+      <p:sp>
+        <p:nvSpPr>
+          <p:cNvPr id="15" name="Rechthoek 14">
+            <a:extLst>
+              <a:ext uri="{FF2B5EF4-FFF2-40B4-BE49-F238E27FC236}">
+                <a16:creationId xmlns:a16="http://schemas.microsoft.com/office/drawing/2014/main" id="{8A508A63-56ED-EF40-B733-2F5EAB5C1CFF}"/>
               </a:ext>
             </a:extLst>
           </p:cNvPr>
@@ -3580,8 +4096,341 @@
         </p:nvSpPr>
         <p:spPr>
           <a:xfrm>
-            <a:off x="7543208" y="897763"/>
-            <a:ext cx="4320000" cy="1080000"/>
+            <a:off x="1079500" y="2279687"/>
+            <a:ext cx="3576638" cy="2308324"/>
+          </a:xfrm>
+          <a:prstGeom prst="rect">
+            <a:avLst/>
+          </a:prstGeom>
+        </p:spPr>
+        <p:txBody>
+          <a:bodyPr wrap="square">
+            <a:spAutoFit/>
+          </a:bodyPr>
+          <a:lstStyle/>
+          <a:p>
+            <a:r>
+              <a:rPr lang="nl-NL">
+                <a:solidFill>
+                  <a:srgbClr val="660000"/>
+                </a:solidFill>
+                <a:effectLst/>
+                <a:latin typeface="SF Mono Light" panose="020B0009000002000000" pitchFamily="49" charset="0"/>
+              </a:rPr>
+              <a:t>$listOfProducts </a:t>
+            </a:r>
+            <a:r>
+              <a:rPr lang="nl-NL">
+                <a:effectLst/>
+                <a:latin typeface="SF Mono Light" panose="020B0009000002000000" pitchFamily="49" charset="0"/>
+              </a:rPr>
+              <a:t>= [</a:t>
+            </a:r>
+            <a:br>
+              <a:rPr lang="nl-NL">
+                <a:effectLst/>
+                <a:latin typeface="SF Mono Light" panose="020B0009000002000000" pitchFamily="49" charset="0"/>
+              </a:rPr>
+            </a:br>
+            <a:r>
+              <a:rPr lang="nl-NL">
+                <a:effectLst/>
+                <a:latin typeface="SF Mono Light" panose="020B0009000002000000" pitchFamily="49" charset="0"/>
+              </a:rPr>
+              <a:t>    </a:t>
+            </a:r>
+            <a:r>
+              <a:rPr lang="nl-NL">
+                <a:solidFill>
+                  <a:srgbClr val="1750EB"/>
+                </a:solidFill>
+                <a:effectLst/>
+                <a:latin typeface="SF Mono Light" panose="020B0009000002000000" pitchFamily="49" charset="0"/>
+              </a:rPr>
+              <a:t>0 </a:t>
+            </a:r>
+            <a:r>
+              <a:rPr lang="nl-NL">
+                <a:effectLst/>
+                <a:latin typeface="SF Mono Light" panose="020B0009000002000000" pitchFamily="49" charset="0"/>
+              </a:rPr>
+              <a:t>=&gt; </a:t>
+            </a:r>
+            <a:r>
+              <a:rPr lang="nl-NL">
+                <a:solidFill>
+                  <a:srgbClr val="067D17"/>
+                </a:solidFill>
+                <a:effectLst/>
+                <a:latin typeface="SF Mono Light" panose="020B0009000002000000" pitchFamily="49" charset="0"/>
+              </a:rPr>
+              <a:t>"icecream"</a:t>
+            </a:r>
+            <a:r>
+              <a:rPr lang="nl-NL">
+                <a:effectLst/>
+                <a:latin typeface="SF Mono Light" panose="020B0009000002000000" pitchFamily="49" charset="0"/>
+              </a:rPr>
+              <a:t>,</a:t>
+            </a:r>
+            <a:br>
+              <a:rPr lang="nl-NL">
+                <a:effectLst/>
+                <a:latin typeface="SF Mono Light" panose="020B0009000002000000" pitchFamily="49" charset="0"/>
+              </a:rPr>
+            </a:br>
+            <a:r>
+              <a:rPr lang="nl-NL">
+                <a:effectLst/>
+                <a:latin typeface="SF Mono Light" panose="020B0009000002000000" pitchFamily="49" charset="0"/>
+              </a:rPr>
+              <a:t>    </a:t>
+            </a:r>
+            <a:r>
+              <a:rPr lang="nl-NL">
+                <a:solidFill>
+                  <a:srgbClr val="1750EB"/>
+                </a:solidFill>
+                <a:effectLst/>
+                <a:latin typeface="SF Mono Light" panose="020B0009000002000000" pitchFamily="49" charset="0"/>
+              </a:rPr>
+              <a:t>1 </a:t>
+            </a:r>
+            <a:r>
+              <a:rPr lang="nl-NL">
+                <a:effectLst/>
+                <a:latin typeface="SF Mono Light" panose="020B0009000002000000" pitchFamily="49" charset="0"/>
+              </a:rPr>
+              <a:t>=&gt; </a:t>
+            </a:r>
+            <a:r>
+              <a:rPr lang="nl-NL">
+                <a:solidFill>
+                  <a:srgbClr val="067D17"/>
+                </a:solidFill>
+                <a:effectLst/>
+                <a:latin typeface="SF Mono Light" panose="020B0009000002000000" pitchFamily="49" charset="0"/>
+              </a:rPr>
+              <a:t>"cherries"</a:t>
+            </a:r>
+            <a:r>
+              <a:rPr lang="nl-NL">
+                <a:effectLst/>
+                <a:latin typeface="SF Mono Light" panose="020B0009000002000000" pitchFamily="49" charset="0"/>
+              </a:rPr>
+              <a:t>,</a:t>
+            </a:r>
+            <a:br>
+              <a:rPr lang="nl-NL">
+                <a:effectLst/>
+                <a:latin typeface="SF Mono Light" panose="020B0009000002000000" pitchFamily="49" charset="0"/>
+              </a:rPr>
+            </a:br>
+            <a:r>
+              <a:rPr lang="nl-NL">
+                <a:effectLst/>
+                <a:latin typeface="SF Mono Light" panose="020B0009000002000000" pitchFamily="49" charset="0"/>
+              </a:rPr>
+              <a:t>    </a:t>
+            </a:r>
+            <a:r>
+              <a:rPr lang="nl-NL">
+                <a:solidFill>
+                  <a:srgbClr val="1750EB"/>
+                </a:solidFill>
+                <a:effectLst/>
+                <a:latin typeface="SF Mono Light" panose="020B0009000002000000" pitchFamily="49" charset="0"/>
+              </a:rPr>
+              <a:t>2 </a:t>
+            </a:r>
+            <a:r>
+              <a:rPr lang="nl-NL">
+                <a:effectLst/>
+                <a:latin typeface="SF Mono Light" panose="020B0009000002000000" pitchFamily="49" charset="0"/>
+              </a:rPr>
+              <a:t>=&gt; </a:t>
+            </a:r>
+            <a:r>
+              <a:rPr lang="nl-NL">
+                <a:solidFill>
+                  <a:srgbClr val="067D17"/>
+                </a:solidFill>
+                <a:effectLst/>
+                <a:latin typeface="SF Mono Light" panose="020B0009000002000000" pitchFamily="49" charset="0"/>
+              </a:rPr>
+              <a:t>"cup"</a:t>
+            </a:r>
+            <a:r>
+              <a:rPr lang="nl-NL">
+                <a:effectLst/>
+                <a:latin typeface="SF Mono Light" panose="020B0009000002000000" pitchFamily="49" charset="0"/>
+              </a:rPr>
+              <a:t>,</a:t>
+            </a:r>
+            <a:br>
+              <a:rPr lang="nl-NL">
+                <a:effectLst/>
+                <a:latin typeface="SF Mono Light" panose="020B0009000002000000" pitchFamily="49" charset="0"/>
+              </a:rPr>
+            </a:br>
+            <a:r>
+              <a:rPr lang="nl-NL">
+                <a:effectLst/>
+                <a:latin typeface="SF Mono Light" panose="020B0009000002000000" pitchFamily="49" charset="0"/>
+              </a:rPr>
+              <a:t>    </a:t>
+            </a:r>
+            <a:r>
+              <a:rPr lang="nl-NL">
+                <a:solidFill>
+                  <a:srgbClr val="1750EB"/>
+                </a:solidFill>
+                <a:effectLst/>
+                <a:latin typeface="SF Mono Light" panose="020B0009000002000000" pitchFamily="49" charset="0"/>
+              </a:rPr>
+              <a:t>3 </a:t>
+            </a:r>
+            <a:r>
+              <a:rPr lang="nl-NL">
+                <a:effectLst/>
+                <a:latin typeface="SF Mono Light" panose="020B0009000002000000" pitchFamily="49" charset="0"/>
+              </a:rPr>
+              <a:t>=&gt; </a:t>
+            </a:r>
+            <a:r>
+              <a:rPr lang="nl-NL">
+                <a:solidFill>
+                  <a:srgbClr val="067D17"/>
+                </a:solidFill>
+                <a:effectLst/>
+                <a:latin typeface="SF Mono Light" panose="020B0009000002000000" pitchFamily="49" charset="0"/>
+              </a:rPr>
+              <a:t>"spoon"</a:t>
+            </a:r>
+            <a:br>
+              <a:rPr lang="nl-NL">
+                <a:solidFill>
+                  <a:srgbClr val="067D17"/>
+                </a:solidFill>
+                <a:effectLst/>
+                <a:latin typeface="SF Mono Light" panose="020B0009000002000000" pitchFamily="49" charset="0"/>
+              </a:rPr>
+            </a:br>
+            <a:r>
+              <a:rPr lang="nl-NL">
+                <a:effectLst/>
+                <a:latin typeface="SF Mono Light" panose="020B0009000002000000" pitchFamily="49" charset="0"/>
+              </a:rPr>
+              <a:t>];</a:t>
+            </a:r>
+            <a:br>
+              <a:rPr lang="nl-NL">
+                <a:effectLst/>
+                <a:latin typeface="SF Mono Light" panose="020B0009000002000000" pitchFamily="49" charset="0"/>
+              </a:rPr>
+            </a:br>
+            <a:br>
+              <a:rPr lang="nl-NL">
+                <a:effectLst/>
+                <a:latin typeface="SF Mono Light" panose="020B0009000002000000" pitchFamily="49" charset="0"/>
+              </a:rPr>
+            </a:br>
+            <a:r>
+              <a:rPr lang="nl-NL">
+                <a:solidFill>
+                  <a:srgbClr val="0033B3"/>
+                </a:solidFill>
+                <a:effectLst/>
+                <a:latin typeface="SF Mono Light" panose="020B0009000002000000" pitchFamily="49" charset="0"/>
+              </a:rPr>
+              <a:t>echo </a:t>
+            </a:r>
+            <a:r>
+              <a:rPr lang="nl-NL">
+                <a:solidFill>
+                  <a:srgbClr val="660000"/>
+                </a:solidFill>
+                <a:effectLst/>
+                <a:latin typeface="SF Mono Light" panose="020B0009000002000000" pitchFamily="49" charset="0"/>
+              </a:rPr>
+              <a:t>$listOfProducts</a:t>
+            </a:r>
+            <a:r>
+              <a:rPr lang="nl-NL">
+                <a:effectLst/>
+                <a:latin typeface="SF Mono Light" panose="020B0009000002000000" pitchFamily="49" charset="0"/>
+              </a:rPr>
+              <a:t>[</a:t>
+            </a:r>
+            <a:r>
+              <a:rPr lang="nl-NL">
+                <a:solidFill>
+                  <a:srgbClr val="1750EB"/>
+                </a:solidFill>
+                <a:effectLst/>
+                <a:latin typeface="SF Mono Light" panose="020B0009000002000000" pitchFamily="49" charset="0"/>
+              </a:rPr>
+              <a:t>2</a:t>
+            </a:r>
+            <a:r>
+              <a:rPr lang="nl-NL">
+                <a:effectLst/>
+                <a:latin typeface="SF Mono Light" panose="020B0009000002000000" pitchFamily="49" charset="0"/>
+              </a:rPr>
+              <a:t>];</a:t>
+            </a:r>
+            <a:endParaRPr lang="nl-NL">
+              <a:latin typeface="SF Mono Light" panose="020B0009000002000000" pitchFamily="49" charset="0"/>
+            </a:endParaRPr>
+          </a:p>
+        </p:txBody>
+      </p:sp>
+    </p:spTree>
+    <p:extLst>
+      <p:ext uri="{BB962C8B-B14F-4D97-AF65-F5344CB8AC3E}">
+        <p14:creationId xmlns:p14="http://schemas.microsoft.com/office/powerpoint/2010/main" val="2431485709"/>
+      </p:ext>
+    </p:extLst>
+  </p:cSld>
+  <p:clrMapOvr>
+    <a:masterClrMapping/>
+  </p:clrMapOvr>
+</p:sld>
+</file>
+
+<file path=ppt/slides/slide2.xml><?xml version="1.0" encoding="utf-8"?>
+<p:sld xmlns:a="http://schemas.openxmlformats.org/drawingml/2006/main" xmlns:r="http://schemas.openxmlformats.org/officeDocument/2006/relationships" xmlns:p="http://schemas.openxmlformats.org/presentationml/2006/main">
+  <p:cSld>
+    <p:spTree>
+      <p:nvGrpSpPr>
+        <p:cNvPr id="1" name=""/>
+        <p:cNvGrpSpPr/>
+        <p:nvPr/>
+      </p:nvGrpSpPr>
+      <p:grpSpPr>
+        <a:xfrm>
+          <a:off x="0" y="0"/>
+          <a:ext cx="0" cy="0"/>
+          <a:chOff x="0" y="0"/>
+          <a:chExt cx="0" cy="0"/>
+        </a:xfrm>
+      </p:grpSpPr>
+      <p:sp>
+        <p:nvSpPr>
+          <p:cNvPr id="8" name="Kader 7">
+            <a:extLst>
+              <a:ext uri="{FF2B5EF4-FFF2-40B4-BE49-F238E27FC236}">
+                <a16:creationId xmlns:a16="http://schemas.microsoft.com/office/drawing/2014/main" id="{326B5CCD-37CD-1046-BC0B-F6FC5269DAEF}"/>
+              </a:ext>
+            </a:extLst>
+          </p:cNvPr>
+          <p:cNvSpPr/>
+          <p:nvPr/>
+        </p:nvSpPr>
+        <p:spPr>
+          <a:xfrm>
+            <a:off x="701995" y="3789363"/>
+            <a:ext cx="3593780" cy="1080000"/>
           </a:xfrm>
           <a:prstGeom prst="frame">
             <a:avLst>
@@ -3638,8 +4487,8 @@
         </p:nvSpPr>
         <p:spPr>
           <a:xfrm>
-            <a:off x="7576737" y="1130355"/>
-            <a:ext cx="1579278" cy="646331"/>
+            <a:off x="735524" y="4021955"/>
+            <a:ext cx="1603324" cy="646331"/>
           </a:xfrm>
           <a:prstGeom prst="rect">
             <a:avLst/>
@@ -3654,7 +4503,7 @@
           <a:p>
             <a:r>
               <a:rPr lang="nl-NL" sz="1200">
-                <a:latin typeface="Menlo" panose="020B0609030804020204" pitchFamily="49" charset="0"/>
+                <a:latin typeface="SF Mono Light" panose="020B0009000002000000" pitchFamily="49" charset="0"/>
                 <a:ea typeface="Menlo" panose="020B0609030804020204" pitchFamily="49" charset="0"/>
                 <a:cs typeface="Menlo" panose="020B0609030804020204" pitchFamily="49" charset="0"/>
               </a:rPr>
@@ -3664,7 +4513,7 @@
           <a:p>
             <a:r>
               <a:rPr lang="nl-NL" sz="1200">
-                <a:latin typeface="Menlo" panose="020B0609030804020204" pitchFamily="49" charset="0"/>
+                <a:latin typeface="SF Mono Light" panose="020B0009000002000000" pitchFamily="49" charset="0"/>
                 <a:ea typeface="Menlo" panose="020B0609030804020204" pitchFamily="49" charset="0"/>
                 <a:cs typeface="Menlo" panose="020B0609030804020204" pitchFamily="49" charset="0"/>
               </a:rPr>
@@ -3674,7 +4523,7 @@
           <a:p>
             <a:r>
               <a:rPr lang="nl-NL" sz="1200">
-                <a:latin typeface="Menlo" panose="020B0609030804020204" pitchFamily="49" charset="0"/>
+                <a:latin typeface="SF Mono Light" panose="020B0009000002000000" pitchFamily="49" charset="0"/>
                 <a:ea typeface="Menlo" panose="020B0609030804020204" pitchFamily="49" charset="0"/>
                 <a:cs typeface="Menlo" panose="020B0609030804020204" pitchFamily="49" charset="0"/>
               </a:rPr>
@@ -3697,7 +4546,7 @@
         </p:nvSpPr>
         <p:spPr>
           <a:xfrm>
-            <a:off x="7476252" y="546131"/>
+            <a:off x="635039" y="3437731"/>
             <a:ext cx="2226956" cy="369332"/>
           </a:xfrm>
           <a:prstGeom prst="rect">
@@ -3736,8 +4585,8 @@
         </p:nvSpPr>
         <p:spPr>
           <a:xfrm>
-            <a:off x="7532464" y="3066381"/>
-            <a:ext cx="4320000" cy="1080000"/>
+            <a:off x="5026775" y="3790842"/>
+            <a:ext cx="3588217" cy="1080000"/>
           </a:xfrm>
           <a:prstGeom prst="frame">
             <a:avLst>
@@ -3794,8 +4643,8 @@
         </p:nvSpPr>
         <p:spPr>
           <a:xfrm>
-            <a:off x="7581362" y="3241722"/>
-            <a:ext cx="2509020" cy="646331"/>
+            <a:off x="5075674" y="3976668"/>
+            <a:ext cx="2549096" cy="646331"/>
           </a:xfrm>
           <a:prstGeom prst="rect">
             <a:avLst/>
@@ -3810,7 +4659,7 @@
           <a:p>
             <a:r>
               <a:rPr lang="nl-NL" sz="1200">
-                <a:latin typeface="Menlo" panose="020B0609030804020204" pitchFamily="49" charset="0"/>
+                <a:latin typeface="SF Mono Light" panose="020B0009000002000000" pitchFamily="49" charset="0"/>
                 <a:ea typeface="Menlo" panose="020B0609030804020204" pitchFamily="49" charset="0"/>
                 <a:cs typeface="Menlo" panose="020B0609030804020204" pitchFamily="49" charset="0"/>
               </a:rPr>
@@ -3820,7 +4669,7 @@
           <a:p>
             <a:r>
               <a:rPr lang="nl-NL" sz="1200">
-                <a:latin typeface="Menlo" panose="020B0609030804020204" pitchFamily="49" charset="0"/>
+                <a:latin typeface="SF Mono Light" panose="020B0009000002000000" pitchFamily="49" charset="0"/>
                 <a:ea typeface="Menlo" panose="020B0609030804020204" pitchFamily="49" charset="0"/>
                 <a:cs typeface="Menlo" panose="020B0609030804020204" pitchFamily="49" charset="0"/>
               </a:rPr>
@@ -3830,7 +4679,7 @@
           <a:p>
             <a:r>
               <a:rPr lang="nl-NL" sz="1200">
-                <a:latin typeface="Menlo" panose="020B0609030804020204" pitchFamily="49" charset="0"/>
+                <a:latin typeface="SF Mono Light" panose="020B0009000002000000" pitchFamily="49" charset="0"/>
                 <a:ea typeface="Menlo" panose="020B0609030804020204" pitchFamily="49" charset="0"/>
                 <a:cs typeface="Menlo" panose="020B0609030804020204" pitchFamily="49" charset="0"/>
               </a:rPr>
@@ -3853,7 +4702,7 @@
         </p:nvSpPr>
         <p:spPr>
           <a:xfrm>
-            <a:off x="7476252" y="2724970"/>
+            <a:off x="4970564" y="3459916"/>
             <a:ext cx="2270750" cy="369332"/>
           </a:xfrm>
           <a:prstGeom prst="rect">
@@ -3878,158 +4727,6 @@
           </a:p>
         </p:txBody>
       </p:sp>
-      <p:sp>
-        <p:nvSpPr>
-          <p:cNvPr id="16" name="Kader 15">
-            <a:extLst>
-              <a:ext uri="{FF2B5EF4-FFF2-40B4-BE49-F238E27FC236}">
-                <a16:creationId xmlns:a16="http://schemas.microsoft.com/office/drawing/2014/main" id="{41D8DFF5-BE17-1741-9C9B-63A355D70C57}"/>
-              </a:ext>
-            </a:extLst>
-          </p:cNvPr>
-          <p:cNvSpPr/>
-          <p:nvPr/>
-        </p:nvSpPr>
-        <p:spPr>
-          <a:xfrm>
-            <a:off x="7530445" y="5234999"/>
-            <a:ext cx="4321175" cy="1080000"/>
-          </a:xfrm>
-          <a:prstGeom prst="frame">
-            <a:avLst>
-              <a:gd name="adj1" fmla="val 4506"/>
-            </a:avLst>
-          </a:prstGeom>
-          <a:solidFill>
-            <a:schemeClr val="accent4"/>
-          </a:solidFill>
-          <a:ln>
-            <a:noFill/>
-          </a:ln>
-        </p:spPr>
-        <p:style>
-          <a:lnRef idx="2">
-            <a:schemeClr val="accent1">
-              <a:shade val="50000"/>
-            </a:schemeClr>
-          </a:lnRef>
-          <a:fillRef idx="1">
-            <a:schemeClr val="accent1"/>
-          </a:fillRef>
-          <a:effectRef idx="0">
-            <a:schemeClr val="accent1"/>
-          </a:effectRef>
-          <a:fontRef idx="minor">
-            <a:schemeClr val="lt1"/>
-          </a:fontRef>
-        </p:style>
-        <p:txBody>
-          <a:bodyPr rtlCol="0" anchor="ctr"/>
-          <a:lstStyle/>
-          <a:p>
-            <a:pPr algn="ctr"/>
-            <a:endParaRPr lang="nl-NL">
-              <a:solidFill>
-                <a:schemeClr val="tx1"/>
-              </a:solidFill>
-            </a:endParaRPr>
-          </a:p>
-        </p:txBody>
-      </p:sp>
-      <p:sp>
-        <p:nvSpPr>
-          <p:cNvPr id="17" name="Tekstvak 16">
-            <a:extLst>
-              <a:ext uri="{FF2B5EF4-FFF2-40B4-BE49-F238E27FC236}">
-                <a16:creationId xmlns:a16="http://schemas.microsoft.com/office/drawing/2014/main" id="{D22A80FD-874E-3E45-9F4F-497625863A5B}"/>
-              </a:ext>
-            </a:extLst>
-          </p:cNvPr>
-          <p:cNvSpPr txBox="1"/>
-          <p:nvPr/>
-        </p:nvSpPr>
-        <p:spPr>
-          <a:xfrm>
-            <a:off x="7619727" y="5452687"/>
-            <a:ext cx="4027170" cy="646331"/>
-          </a:xfrm>
-          <a:prstGeom prst="rect">
-            <a:avLst/>
-          </a:prstGeom>
-          <a:noFill/>
-        </p:spPr>
-        <p:txBody>
-          <a:bodyPr wrap="square" rtlCol="0">
-            <a:spAutoFit/>
-          </a:bodyPr>
-          <a:lstStyle/>
-          <a:p>
-            <a:r>
-              <a:rPr lang="nl-NL" sz="1200">
-                <a:latin typeface="Menlo" panose="020B0609030804020204" pitchFamily="49" charset="0"/>
-                <a:ea typeface="Menlo" panose="020B0609030804020204" pitchFamily="49" charset="0"/>
-                <a:cs typeface="Menlo" panose="020B0609030804020204" pitchFamily="49" charset="0"/>
-              </a:rPr>
-              <a:t>0: [“Amsterdam”, “Netherlands”, 869709],</a:t>
-            </a:r>
-          </a:p>
-          <a:p>
-            <a:r>
-              <a:rPr lang="nl-NL" sz="1200">
-                <a:latin typeface="Menlo" panose="020B0609030804020204" pitchFamily="49" charset="0"/>
-                <a:ea typeface="Menlo" panose="020B0609030804020204" pitchFamily="49" charset="0"/>
-                <a:cs typeface="Menlo" panose="020B0609030804020204" pitchFamily="49" charset="0"/>
-              </a:rPr>
-              <a:t>1: [“London”, “United Kingdom”, 8674713],</a:t>
-            </a:r>
-          </a:p>
-          <a:p>
-            <a:r>
-              <a:rPr lang="nl-NL" sz="1200">
-                <a:latin typeface="Menlo" panose="020B0609030804020204" pitchFamily="49" charset="0"/>
-                <a:ea typeface="Menlo" panose="020B0609030804020204" pitchFamily="49" charset="0"/>
-                <a:cs typeface="Menlo" panose="020B0609030804020204" pitchFamily="49" charset="0"/>
-              </a:rPr>
-              <a:t>2: [“Paris”, “France”, 2249975]</a:t>
-            </a:r>
-          </a:p>
-        </p:txBody>
-      </p:sp>
-      <p:sp>
-        <p:nvSpPr>
-          <p:cNvPr id="21" name="Tekstvak 20">
-            <a:extLst>
-              <a:ext uri="{FF2B5EF4-FFF2-40B4-BE49-F238E27FC236}">
-                <a16:creationId xmlns:a16="http://schemas.microsoft.com/office/drawing/2014/main" id="{07BA1F98-C8FD-C44D-AFBC-E7D26C66FCE2}"/>
-              </a:ext>
-            </a:extLst>
-          </p:cNvPr>
-          <p:cNvSpPr txBox="1"/>
-          <p:nvPr/>
-        </p:nvSpPr>
-        <p:spPr>
-          <a:xfrm>
-            <a:off x="7474859" y="4903809"/>
-            <a:ext cx="4148764" cy="369332"/>
-          </a:xfrm>
-          <a:prstGeom prst="rect">
-            <a:avLst/>
-          </a:prstGeom>
-          <a:noFill/>
-        </p:spPr>
-        <p:txBody>
-          <a:bodyPr wrap="square" rtlCol="0">
-            <a:spAutoFit/>
-          </a:bodyPr>
-          <a:lstStyle/>
-          <a:p>
-            <a:r>
-              <a:rPr lang="nl-NL"/>
-              <a:t>Arrays kunnen arrays als waarde bevatten</a:t>
-            </a:r>
-          </a:p>
-        </p:txBody>
-      </p:sp>
       <p:grpSp>
         <p:nvGrpSpPr>
           <p:cNvPr id="45" name="Groep 44">
@@ -4044,9 +4741,9 @@
         </p:nvGrpSpPr>
         <p:grpSpPr>
           <a:xfrm>
-            <a:off x="2769631" y="612258"/>
+            <a:off x="618061" y="618430"/>
             <a:ext cx="3342525" cy="771780"/>
-            <a:chOff x="2429894" y="270193"/>
+            <a:chOff x="2429894" y="618062"/>
             <a:chExt cx="3342525" cy="771780"/>
           </a:xfrm>
         </p:grpSpPr>
@@ -4064,7 +4761,7 @@
           </p:nvSpPr>
           <p:spPr>
             <a:xfrm>
-              <a:off x="2429894" y="395642"/>
+              <a:off x="2429894" y="743511"/>
               <a:ext cx="3342525" cy="646331"/>
             </a:xfrm>
             <a:prstGeom prst="rect">
@@ -4088,7 +4785,7 @@
               </a:r>
               <a:r>
                 <a:rPr lang="nl-NL"/>
-                <a:t>een </a:t>
+                <a:t>één variabele met een </a:t>
               </a:r>
               <a:r>
                 <a:rPr lang="nl-NL" b="1"/>
@@ -4096,7 +4793,7 @@
               </a:r>
               <a:r>
                 <a:rPr lang="nl-NL"/>
-                <a:t> van waarden in één variabele</a:t>
+                <a:t> van waarden</a:t>
               </a:r>
             </a:p>
           </p:txBody>
@@ -4117,7 +4814,7 @@
           </p:nvCxnSpPr>
           <p:spPr>
             <a:xfrm>
-              <a:off x="2509542" y="270193"/>
+              <a:off x="2509542" y="618062"/>
               <a:ext cx="1440000" cy="0"/>
             </a:xfrm>
             <a:prstGeom prst="line">
@@ -4145,42 +4842,6 @@
           </p:style>
         </p:cxnSp>
       </p:grpSp>
-      <p:pic>
-        <p:nvPicPr>
-          <p:cNvPr id="28" name="Graphic 27" descr="Lijst">
-            <a:extLst>
-              <a:ext uri="{FF2B5EF4-FFF2-40B4-BE49-F238E27FC236}">
-                <a16:creationId xmlns:a16="http://schemas.microsoft.com/office/drawing/2014/main" id="{63C629B0-CDAB-224D-B515-7EACECF57BDD}"/>
-              </a:ext>
-            </a:extLst>
-          </p:cNvPr>
-          <p:cNvPicPr>
-            <a:picLocks noChangeAspect="1"/>
-          </p:cNvPicPr>
-          <p:nvPr/>
-        </p:nvPicPr>
-        <p:blipFill>
-          <a:blip r:embed="rId2">
-            <a:extLst>
-              <a:ext uri="{96DAC541-7B7A-43D3-8B79-37D633B846F1}">
-                <asvg:svgBlip xmlns:asvg="http://schemas.microsoft.com/office/drawing/2016/SVG/main" r:embed="rId3"/>
-              </a:ext>
-            </a:extLst>
-          </a:blip>
-          <a:stretch>
-            <a:fillRect/>
-          </a:stretch>
-        </p:blipFill>
-        <p:spPr>
-          <a:xfrm>
-            <a:off x="234989" y="339459"/>
-            <a:ext cx="2355811" cy="2570177"/>
-          </a:xfrm>
-          <a:prstGeom prst="rect">
-            <a:avLst/>
-          </a:prstGeom>
-        </p:spPr>
-      </p:pic>
       <p:grpSp>
         <p:nvGrpSpPr>
           <p:cNvPr id="31" name="Groep 30">
@@ -4195,7 +4856,7 @@
         </p:nvGrpSpPr>
         <p:grpSpPr>
           <a:xfrm>
-            <a:off x="695325" y="3429000"/>
+            <a:off x="7175500" y="549275"/>
             <a:ext cx="4322038" cy="2881313"/>
             <a:chOff x="696050" y="188913"/>
             <a:chExt cx="4322038" cy="2881313"/>
@@ -4293,8 +4954,8 @@
             </p:nvSpPr>
             <p:spPr>
               <a:xfrm>
-                <a:off x="1450729" y="2837209"/>
-                <a:ext cx="1010277" cy="369332"/>
+                <a:off x="1365802" y="2852820"/>
+                <a:ext cx="1180131" cy="307777"/>
               </a:xfrm>
               <a:prstGeom prst="rect">
                 <a:avLst/>
@@ -4308,7 +4969,9 @@
               <a:lstStyle/>
               <a:p>
                 <a:r>
-                  <a:rPr lang="nl-NL"/>
+                  <a:rPr lang="nl-NL" sz="1400">
+                    <a:latin typeface="SF Mono Light" panose="020B0009000002000000" pitchFamily="49" charset="0"/>
+                  </a:rPr>
                   <a:t>$capitals</a:t>
                 </a:r>
               </a:p>
@@ -4387,8 +5050,8 @@
           </p:nvSpPr>
           <p:spPr>
             <a:xfrm>
-              <a:off x="3130842" y="364610"/>
-              <a:ext cx="1080745" cy="369332"/>
+              <a:off x="3089160" y="381569"/>
+              <a:ext cx="1401346" cy="307777"/>
             </a:xfrm>
             <a:prstGeom prst="rect">
               <a:avLst/>
@@ -4402,8 +5065,10 @@
             <a:lstStyle/>
             <a:p>
               <a:r>
-                <a:rPr lang="nl-NL"/>
-                <a:t>“London”</a:t>
+                <a:rPr lang="nl-NL" sz="1400">
+                  <a:latin typeface="SF Mono Light" panose="020B0009000002000000" pitchFamily="49" charset="0"/>
+                </a:rPr>
+                <a:t>“Amsterdam”</a:t>
               </a:r>
             </a:p>
           </p:txBody>
@@ -4480,8 +5145,8 @@
           </p:nvSpPr>
           <p:spPr>
             <a:xfrm>
-              <a:off x="3130842" y="1444110"/>
-              <a:ext cx="1442703" cy="369332"/>
+              <a:off x="3077126" y="1460444"/>
+              <a:ext cx="1069524" cy="307777"/>
             </a:xfrm>
             <a:prstGeom prst="rect">
               <a:avLst/>
@@ -4495,8 +5160,10 @@
             <a:lstStyle/>
             <a:p>
               <a:r>
-                <a:rPr lang="nl-NL"/>
-                <a:t>“Amsterdam”</a:t>
+                <a:rPr lang="nl-NL" sz="1400">
+                  <a:latin typeface="SF Mono Light" panose="020B0009000002000000" pitchFamily="49" charset="0"/>
+                </a:rPr>
+                <a:t>“London”</a:t>
               </a:r>
             </a:p>
           </p:txBody>
@@ -4573,8 +5240,8 @@
           </p:nvSpPr>
           <p:spPr>
             <a:xfrm>
-              <a:off x="3132430" y="2525198"/>
-              <a:ext cx="820930" cy="369332"/>
+              <a:off x="3089160" y="2539945"/>
+              <a:ext cx="958917" cy="307777"/>
             </a:xfrm>
             <a:prstGeom prst="rect">
               <a:avLst/>
@@ -4588,7 +5255,9 @@
             <a:lstStyle/>
             <a:p>
               <a:r>
-                <a:rPr lang="nl-NL"/>
+                <a:rPr lang="nl-NL" sz="1400">
+                  <a:latin typeface="SF Mono Light" panose="020B0009000002000000" pitchFamily="49" charset="0"/>
+                </a:rPr>
                 <a:t>“Paris”</a:t>
               </a:r>
             </a:p>
@@ -4729,6 +5398,455 @@
           </p:style>
         </p:cxnSp>
       </p:grpSp>
+      <p:sp>
+        <p:nvSpPr>
+          <p:cNvPr id="6" name="Rechthoek 5">
+            <a:extLst>
+              <a:ext uri="{FF2B5EF4-FFF2-40B4-BE49-F238E27FC236}">
+                <a16:creationId xmlns:a16="http://schemas.microsoft.com/office/drawing/2014/main" id="{257E20E0-9E66-DA45-B300-8EF69D689590}"/>
+              </a:ext>
+            </a:extLst>
+          </p:cNvPr>
+          <p:cNvSpPr/>
+          <p:nvPr/>
+        </p:nvSpPr>
+        <p:spPr>
+          <a:xfrm>
+            <a:off x="630750" y="4956824"/>
+            <a:ext cx="2944300" cy="1384995"/>
+          </a:xfrm>
+          <a:prstGeom prst="rect">
+            <a:avLst/>
+          </a:prstGeom>
+        </p:spPr>
+        <p:txBody>
+          <a:bodyPr wrap="square">
+            <a:spAutoFit/>
+          </a:bodyPr>
+          <a:lstStyle/>
+          <a:p>
+            <a:r>
+              <a:rPr lang="nl-NL" sz="1400">
+                <a:solidFill>
+                  <a:srgbClr val="660000"/>
+                </a:solidFill>
+                <a:effectLst/>
+                <a:latin typeface="SF Mono Light" panose="020B0009000002000000" pitchFamily="49" charset="0"/>
+              </a:rPr>
+              <a:t>$indexedArray </a:t>
+            </a:r>
+            <a:r>
+              <a:rPr lang="nl-NL" sz="1400">
+                <a:effectLst/>
+                <a:latin typeface="SF Mono Light" panose="020B0009000002000000" pitchFamily="49" charset="0"/>
+              </a:rPr>
+              <a:t>= [</a:t>
+            </a:r>
+            <a:br>
+              <a:rPr lang="nl-NL" sz="1400">
+                <a:effectLst/>
+                <a:latin typeface="SF Mono Light" panose="020B0009000002000000" pitchFamily="49" charset="0"/>
+              </a:rPr>
+            </a:br>
+            <a:r>
+              <a:rPr lang="nl-NL" sz="1400">
+                <a:effectLst/>
+                <a:latin typeface="SF Mono Light" panose="020B0009000002000000" pitchFamily="49" charset="0"/>
+              </a:rPr>
+              <a:t>    </a:t>
+            </a:r>
+            <a:r>
+              <a:rPr lang="nl-NL" sz="1400">
+                <a:solidFill>
+                  <a:srgbClr val="067D17"/>
+                </a:solidFill>
+                <a:effectLst/>
+                <a:latin typeface="SF Mono Light" panose="020B0009000002000000" pitchFamily="49" charset="0"/>
+              </a:rPr>
+              <a:t>"Amsterdam"</a:t>
+            </a:r>
+            <a:r>
+              <a:rPr lang="nl-NL" sz="1400">
+                <a:effectLst/>
+                <a:latin typeface="SF Mono Light" panose="020B0009000002000000" pitchFamily="49" charset="0"/>
+              </a:rPr>
+              <a:t>,</a:t>
+            </a:r>
+            <a:br>
+              <a:rPr lang="nl-NL" sz="1400">
+                <a:effectLst/>
+                <a:latin typeface="SF Mono Light" panose="020B0009000002000000" pitchFamily="49" charset="0"/>
+              </a:rPr>
+            </a:br>
+            <a:r>
+              <a:rPr lang="nl-NL" sz="1400">
+                <a:effectLst/>
+                <a:latin typeface="SF Mono Light" panose="020B0009000002000000" pitchFamily="49" charset="0"/>
+              </a:rPr>
+              <a:t>    </a:t>
+            </a:r>
+            <a:r>
+              <a:rPr lang="nl-NL" sz="1400">
+                <a:solidFill>
+                  <a:srgbClr val="067D17"/>
+                </a:solidFill>
+                <a:effectLst/>
+                <a:latin typeface="SF Mono Light" panose="020B0009000002000000" pitchFamily="49" charset="0"/>
+              </a:rPr>
+              <a:t>"London"</a:t>
+            </a:r>
+            <a:r>
+              <a:rPr lang="nl-NL" sz="1400">
+                <a:effectLst/>
+                <a:latin typeface="SF Mono Light" panose="020B0009000002000000" pitchFamily="49" charset="0"/>
+              </a:rPr>
+              <a:t>,</a:t>
+            </a:r>
+            <a:br>
+              <a:rPr lang="nl-NL" sz="1400">
+                <a:effectLst/>
+                <a:latin typeface="SF Mono Light" panose="020B0009000002000000" pitchFamily="49" charset="0"/>
+              </a:rPr>
+            </a:br>
+            <a:r>
+              <a:rPr lang="nl-NL" sz="1400">
+                <a:effectLst/>
+                <a:latin typeface="SF Mono Light" panose="020B0009000002000000" pitchFamily="49" charset="0"/>
+              </a:rPr>
+              <a:t>    </a:t>
+            </a:r>
+            <a:r>
+              <a:rPr lang="nl-NL" sz="1400">
+                <a:solidFill>
+                  <a:srgbClr val="067D17"/>
+                </a:solidFill>
+                <a:effectLst/>
+                <a:latin typeface="SF Mono Light" panose="020B0009000002000000" pitchFamily="49" charset="0"/>
+              </a:rPr>
+              <a:t>"Paris"</a:t>
+            </a:r>
+            <a:br>
+              <a:rPr lang="nl-NL" sz="1400">
+                <a:solidFill>
+                  <a:srgbClr val="067D17"/>
+                </a:solidFill>
+                <a:effectLst/>
+                <a:latin typeface="SF Mono Light" panose="020B0009000002000000" pitchFamily="49" charset="0"/>
+              </a:rPr>
+            </a:br>
+            <a:r>
+              <a:rPr lang="nl-NL" sz="1400">
+                <a:effectLst/>
+                <a:latin typeface="SF Mono Light" panose="020B0009000002000000" pitchFamily="49" charset="0"/>
+              </a:rPr>
+              <a:t>];</a:t>
+            </a:r>
+            <a:br>
+              <a:rPr lang="nl-NL" sz="1400">
+                <a:effectLst/>
+                <a:latin typeface="SF Mono Light" panose="020B0009000002000000" pitchFamily="49" charset="0"/>
+              </a:rPr>
+            </a:br>
+            <a:r>
+              <a:rPr lang="nl-NL" sz="1400">
+                <a:solidFill>
+                  <a:srgbClr val="0033B3"/>
+                </a:solidFill>
+                <a:effectLst/>
+                <a:latin typeface="SF Mono Light" panose="020B0009000002000000" pitchFamily="49" charset="0"/>
+              </a:rPr>
+              <a:t>echo </a:t>
+            </a:r>
+            <a:r>
+              <a:rPr lang="nl-NL" sz="1400">
+                <a:solidFill>
+                  <a:srgbClr val="660000"/>
+                </a:solidFill>
+                <a:effectLst/>
+                <a:latin typeface="SF Mono Light" panose="020B0009000002000000" pitchFamily="49" charset="0"/>
+              </a:rPr>
+              <a:t>$indexedArray</a:t>
+            </a:r>
+            <a:r>
+              <a:rPr lang="nl-NL" sz="1400">
+                <a:effectLst/>
+                <a:latin typeface="SF Mono Light" panose="020B0009000002000000" pitchFamily="49" charset="0"/>
+              </a:rPr>
+              <a:t>[</a:t>
+            </a:r>
+            <a:r>
+              <a:rPr lang="nl-NL" sz="1400">
+                <a:solidFill>
+                  <a:srgbClr val="1750EB"/>
+                </a:solidFill>
+                <a:effectLst/>
+                <a:latin typeface="SF Mono Light" panose="020B0009000002000000" pitchFamily="49" charset="0"/>
+              </a:rPr>
+              <a:t>1</a:t>
+            </a:r>
+            <a:r>
+              <a:rPr lang="nl-NL" sz="1400">
+                <a:effectLst/>
+                <a:latin typeface="SF Mono Light" panose="020B0009000002000000" pitchFamily="49" charset="0"/>
+              </a:rPr>
+              <a:t>];</a:t>
+            </a:r>
+            <a:endParaRPr lang="nl-NL" sz="1400">
+              <a:latin typeface="SF Mono Light" panose="020B0009000002000000" pitchFamily="49" charset="0"/>
+            </a:endParaRPr>
+          </a:p>
+        </p:txBody>
+      </p:sp>
+      <p:sp>
+        <p:nvSpPr>
+          <p:cNvPr id="7" name="Rechthoek 6">
+            <a:extLst>
+              <a:ext uri="{FF2B5EF4-FFF2-40B4-BE49-F238E27FC236}">
+                <a16:creationId xmlns:a16="http://schemas.microsoft.com/office/drawing/2014/main" id="{B290B346-4C71-AF4A-9014-B0726039CD24}"/>
+              </a:ext>
+            </a:extLst>
+          </p:cNvPr>
+          <p:cNvSpPr/>
+          <p:nvPr/>
+        </p:nvSpPr>
+        <p:spPr>
+          <a:xfrm>
+            <a:off x="4970564" y="4956824"/>
+            <a:ext cx="4320000" cy="1384995"/>
+          </a:xfrm>
+          <a:prstGeom prst="rect">
+            <a:avLst/>
+          </a:prstGeom>
+        </p:spPr>
+        <p:txBody>
+          <a:bodyPr wrap="square">
+            <a:spAutoFit/>
+          </a:bodyPr>
+          <a:lstStyle/>
+          <a:p>
+            <a:r>
+              <a:rPr lang="nl-NL" sz="1400">
+                <a:solidFill>
+                  <a:srgbClr val="660000"/>
+                </a:solidFill>
+                <a:effectLst/>
+                <a:latin typeface="SF Mono Light" panose="020B0009000002000000" pitchFamily="49" charset="0"/>
+              </a:rPr>
+              <a:t>$associativeArray </a:t>
+            </a:r>
+            <a:r>
+              <a:rPr lang="nl-NL" sz="1400">
+                <a:effectLst/>
+                <a:latin typeface="SF Mono Light" panose="020B0009000002000000" pitchFamily="49" charset="0"/>
+              </a:rPr>
+              <a:t>= [</a:t>
+            </a:r>
+            <a:br>
+              <a:rPr lang="nl-NL" sz="1400">
+                <a:effectLst/>
+                <a:latin typeface="SF Mono Light" panose="020B0009000002000000" pitchFamily="49" charset="0"/>
+              </a:rPr>
+            </a:br>
+            <a:r>
+              <a:rPr lang="nl-NL" sz="1400">
+                <a:effectLst/>
+                <a:latin typeface="SF Mono Light" panose="020B0009000002000000" pitchFamily="49" charset="0"/>
+              </a:rPr>
+              <a:t>    </a:t>
+            </a:r>
+            <a:r>
+              <a:rPr lang="nl-NL" sz="1400">
+                <a:solidFill>
+                  <a:srgbClr val="067D17"/>
+                </a:solidFill>
+                <a:effectLst/>
+                <a:latin typeface="SF Mono Light" panose="020B0009000002000000" pitchFamily="49" charset="0"/>
+              </a:rPr>
+              <a:t>"name" </a:t>
+            </a:r>
+            <a:r>
+              <a:rPr lang="nl-NL" sz="1400">
+                <a:effectLst/>
+                <a:latin typeface="SF Mono Light" panose="020B0009000002000000" pitchFamily="49" charset="0"/>
+              </a:rPr>
+              <a:t>=&gt; </a:t>
+            </a:r>
+            <a:r>
+              <a:rPr lang="nl-NL" sz="1400">
+                <a:solidFill>
+                  <a:srgbClr val="067D17"/>
+                </a:solidFill>
+                <a:effectLst/>
+                <a:latin typeface="SF Mono Light" panose="020B0009000002000000" pitchFamily="49" charset="0"/>
+              </a:rPr>
+              <a:t>"Linus Torvalds"</a:t>
+            </a:r>
+            <a:r>
+              <a:rPr lang="nl-NL" sz="1400">
+                <a:effectLst/>
+                <a:latin typeface="SF Mono Light" panose="020B0009000002000000" pitchFamily="49" charset="0"/>
+              </a:rPr>
+              <a:t>,</a:t>
+            </a:r>
+            <a:br>
+              <a:rPr lang="nl-NL" sz="1400">
+                <a:effectLst/>
+                <a:latin typeface="SF Mono Light" panose="020B0009000002000000" pitchFamily="49" charset="0"/>
+              </a:rPr>
+            </a:br>
+            <a:r>
+              <a:rPr lang="nl-NL" sz="1400">
+                <a:effectLst/>
+                <a:latin typeface="SF Mono Light" panose="020B0009000002000000" pitchFamily="49" charset="0"/>
+              </a:rPr>
+              <a:t>    </a:t>
+            </a:r>
+            <a:r>
+              <a:rPr lang="nl-NL" sz="1400">
+                <a:solidFill>
+                  <a:srgbClr val="067D17"/>
+                </a:solidFill>
+                <a:effectLst/>
+                <a:latin typeface="SF Mono Light" panose="020B0009000002000000" pitchFamily="49" charset="0"/>
+              </a:rPr>
+              <a:t>"yearofbirth" </a:t>
+            </a:r>
+            <a:r>
+              <a:rPr lang="nl-NL" sz="1400">
+                <a:effectLst/>
+                <a:latin typeface="SF Mono Light" panose="020B0009000002000000" pitchFamily="49" charset="0"/>
+              </a:rPr>
+              <a:t>=&gt; </a:t>
+            </a:r>
+            <a:r>
+              <a:rPr lang="nl-NL" sz="1400">
+                <a:solidFill>
+                  <a:srgbClr val="1750EB"/>
+                </a:solidFill>
+                <a:effectLst/>
+                <a:latin typeface="SF Mono Light" panose="020B0009000002000000" pitchFamily="49" charset="0"/>
+              </a:rPr>
+              <a:t>1969</a:t>
+            </a:r>
+            <a:r>
+              <a:rPr lang="nl-NL" sz="1400">
+                <a:effectLst/>
+                <a:latin typeface="SF Mono Light" panose="020B0009000002000000" pitchFamily="49" charset="0"/>
+              </a:rPr>
+              <a:t>,</a:t>
+            </a:r>
+            <a:br>
+              <a:rPr lang="nl-NL" sz="1400">
+                <a:effectLst/>
+                <a:latin typeface="SF Mono Light" panose="020B0009000002000000" pitchFamily="49" charset="0"/>
+              </a:rPr>
+            </a:br>
+            <a:r>
+              <a:rPr lang="nl-NL" sz="1400">
+                <a:effectLst/>
+                <a:latin typeface="SF Mono Light" panose="020B0009000002000000" pitchFamily="49" charset="0"/>
+              </a:rPr>
+              <a:t>    </a:t>
+            </a:r>
+            <a:r>
+              <a:rPr lang="nl-NL" sz="1400">
+                <a:solidFill>
+                  <a:srgbClr val="067D17"/>
+                </a:solidFill>
+                <a:effectLst/>
+                <a:latin typeface="SF Mono Light" panose="020B0009000002000000" pitchFamily="49" charset="0"/>
+              </a:rPr>
+              <a:t>"project" </a:t>
+            </a:r>
+            <a:r>
+              <a:rPr lang="nl-NL" sz="1400">
+                <a:effectLst/>
+                <a:latin typeface="SF Mono Light" panose="020B0009000002000000" pitchFamily="49" charset="0"/>
+              </a:rPr>
+              <a:t>=&gt; </a:t>
+            </a:r>
+            <a:r>
+              <a:rPr lang="nl-NL" sz="1400">
+                <a:solidFill>
+                  <a:srgbClr val="067D17"/>
+                </a:solidFill>
+                <a:effectLst/>
+                <a:latin typeface="SF Mono Light" panose="020B0009000002000000" pitchFamily="49" charset="0"/>
+              </a:rPr>
+              <a:t>"Linux"</a:t>
+            </a:r>
+            <a:br>
+              <a:rPr lang="nl-NL" sz="1400">
+                <a:solidFill>
+                  <a:srgbClr val="067D17"/>
+                </a:solidFill>
+                <a:effectLst/>
+                <a:latin typeface="SF Mono Light" panose="020B0009000002000000" pitchFamily="49" charset="0"/>
+              </a:rPr>
+            </a:br>
+            <a:r>
+              <a:rPr lang="nl-NL" sz="1400">
+                <a:effectLst/>
+                <a:latin typeface="SF Mono Light" panose="020B0009000002000000" pitchFamily="49" charset="0"/>
+              </a:rPr>
+              <a:t>];</a:t>
+            </a:r>
+            <a:br>
+              <a:rPr lang="nl-NL" sz="1400">
+                <a:effectLst/>
+                <a:latin typeface="SF Mono Light" panose="020B0009000002000000" pitchFamily="49" charset="0"/>
+              </a:rPr>
+            </a:br>
+            <a:r>
+              <a:rPr lang="nl-NL" sz="1400">
+                <a:solidFill>
+                  <a:srgbClr val="0033B3"/>
+                </a:solidFill>
+                <a:effectLst/>
+                <a:latin typeface="SF Mono Light" panose="020B0009000002000000" pitchFamily="49" charset="0"/>
+              </a:rPr>
+              <a:t>echo </a:t>
+            </a:r>
+            <a:r>
+              <a:rPr lang="nl-NL" sz="1400">
+                <a:solidFill>
+                  <a:srgbClr val="660000"/>
+                </a:solidFill>
+                <a:effectLst/>
+                <a:latin typeface="SF Mono Light" panose="020B0009000002000000" pitchFamily="49" charset="0"/>
+              </a:rPr>
+              <a:t>$associativeArray</a:t>
+            </a:r>
+            <a:r>
+              <a:rPr lang="nl-NL" sz="1400">
+                <a:effectLst/>
+                <a:latin typeface="SF Mono Light" panose="020B0009000002000000" pitchFamily="49" charset="0"/>
+              </a:rPr>
+              <a:t>[</a:t>
+            </a:r>
+            <a:r>
+              <a:rPr lang="nl-NL" sz="1400">
+                <a:solidFill>
+                  <a:srgbClr val="067D17"/>
+                </a:solidFill>
+                <a:effectLst/>
+                <a:latin typeface="SF Mono Light" panose="020B0009000002000000" pitchFamily="49" charset="0"/>
+              </a:rPr>
+              <a:t>"project"</a:t>
+            </a:r>
+            <a:r>
+              <a:rPr lang="nl-NL" sz="1400">
+                <a:effectLst/>
+                <a:latin typeface="SF Mono Light" panose="020B0009000002000000" pitchFamily="49" charset="0"/>
+              </a:rPr>
+              <a:t>];</a:t>
+            </a:r>
+            <a:endParaRPr lang="nl-NL" sz="1400">
+              <a:latin typeface="SF Mono Light" panose="020B0009000002000000" pitchFamily="49" charset="0"/>
+            </a:endParaRPr>
+          </a:p>
+        </p:txBody>
+      </p:sp>
     </p:spTree>
     <p:extLst>
       <p:ext uri="{BB962C8B-B14F-4D97-AF65-F5344CB8AC3E}">

--- a/content/programmeren/php-basis-array/php-basis-array.pptx
+++ b/content/programmeren/php-basis-array/php-basis-array.pptx
@@ -3885,7 +3885,7 @@
           </p:nvSpPr>
           <p:spPr>
             <a:xfrm>
-              <a:off x="4825888" y="1628775"/>
+              <a:off x="4815774" y="1628775"/>
               <a:ext cx="323287" cy="383935"/>
             </a:xfrm>
             <a:prstGeom prst="rect">
@@ -3928,7 +3928,7 @@
           </p:nvSpPr>
           <p:spPr>
             <a:xfrm>
-              <a:off x="4825888" y="2708275"/>
+              <a:off x="4815774" y="2708275"/>
               <a:ext cx="323287" cy="383935"/>
             </a:xfrm>
             <a:prstGeom prst="rect">
@@ -3971,7 +3971,7 @@
           </p:nvSpPr>
           <p:spPr>
             <a:xfrm>
-              <a:off x="4825888" y="3829620"/>
+              <a:off x="4805661" y="3808197"/>
               <a:ext cx="323287" cy="383935"/>
             </a:xfrm>
             <a:prstGeom prst="rect">
@@ -4014,7 +4014,7 @@
           </p:nvSpPr>
           <p:spPr>
             <a:xfrm>
-              <a:off x="4825888" y="4911209"/>
+              <a:off x="4805661" y="4900498"/>
               <a:ext cx="323287" cy="383935"/>
             </a:xfrm>
             <a:prstGeom prst="rect">
